--- a/クライシスマッピングとは。現在の状況から次の災害に向けての展開について .pptx
+++ b/クライシスマッピングとは。現在の状況から次の災害に向けての展開について .pptx
@@ -110,6 +110,11 @@
       </a:defRPr>
     </a:lvl9pPr>
   </p:defaultTextStyle>
+  <p:extLst>
+    <p:ext uri="{EFAFB233-063F-42B5-8137-9DF3F51BA10A}">
+      <p15:sldGuideLst xmlns:p15="http://schemas.microsoft.com/office/powerpoint/2012/main"/>
+    </p:ext>
+  </p:extLst>
 </p:presentation>
 </file>
 
@@ -3409,7 +3414,7 @@
           <a:p>
             <a:fld id="{0394A5F2-EE4E-8D43-8095-7BEE3FF37D66}" type="datetimeFigureOut">
               <a:rPr kumimoji="1" lang="ja-JP" altLang="en-US" smtClean="0"/>
-              <a:t>2019/11/24</a:t>
+              <a:t>2019/12/31</a:t>
             </a:fld>
             <a:endParaRPr kumimoji="1" lang="ja-JP" altLang="en-US"/>
           </a:p>
@@ -3639,7 +3644,7 @@
           <a:p>
             <a:fld id="{0394A5F2-EE4E-8D43-8095-7BEE3FF37D66}" type="datetimeFigureOut">
               <a:rPr kumimoji="1" lang="ja-JP" altLang="en-US" smtClean="0"/>
-              <a:t>2019/11/24</a:t>
+              <a:t>2019/12/31</a:t>
             </a:fld>
             <a:endParaRPr kumimoji="1" lang="ja-JP" altLang="en-US"/>
           </a:p>
@@ -3879,7 +3884,7 @@
           <a:p>
             <a:fld id="{0394A5F2-EE4E-8D43-8095-7BEE3FF37D66}" type="datetimeFigureOut">
               <a:rPr kumimoji="1" lang="ja-JP" altLang="en-US" smtClean="0"/>
-              <a:t>2019/11/24</a:t>
+              <a:t>2019/12/31</a:t>
             </a:fld>
             <a:endParaRPr kumimoji="1" lang="ja-JP" altLang="en-US"/>
           </a:p>
@@ -4109,7 +4114,7 @@
           <a:p>
             <a:fld id="{0394A5F2-EE4E-8D43-8095-7BEE3FF37D66}" type="datetimeFigureOut">
               <a:rPr kumimoji="1" lang="ja-JP" altLang="en-US" smtClean="0"/>
-              <a:t>2019/11/24</a:t>
+              <a:t>2019/12/31</a:t>
             </a:fld>
             <a:endParaRPr kumimoji="1" lang="ja-JP" altLang="en-US"/>
           </a:p>
@@ -4384,7 +4389,7 @@
           <a:p>
             <a:fld id="{0394A5F2-EE4E-8D43-8095-7BEE3FF37D66}" type="datetimeFigureOut">
               <a:rPr kumimoji="1" lang="ja-JP" altLang="en-US" smtClean="0"/>
-              <a:t>2019/11/24</a:t>
+              <a:t>2019/12/31</a:t>
             </a:fld>
             <a:endParaRPr kumimoji="1" lang="ja-JP" altLang="en-US"/>
           </a:p>
@@ -4713,7 +4718,7 @@
           <a:p>
             <a:fld id="{0394A5F2-EE4E-8D43-8095-7BEE3FF37D66}" type="datetimeFigureOut">
               <a:rPr kumimoji="1" lang="ja-JP" altLang="en-US" smtClean="0"/>
-              <a:t>2019/11/24</a:t>
+              <a:t>2019/12/31</a:t>
             </a:fld>
             <a:endParaRPr kumimoji="1" lang="ja-JP" altLang="en-US"/>
           </a:p>
@@ -5189,7 +5194,7 @@
           <a:p>
             <a:fld id="{0394A5F2-EE4E-8D43-8095-7BEE3FF37D66}" type="datetimeFigureOut">
               <a:rPr kumimoji="1" lang="ja-JP" altLang="en-US" smtClean="0"/>
-              <a:t>2019/11/24</a:t>
+              <a:t>2019/12/31</a:t>
             </a:fld>
             <a:endParaRPr kumimoji="1" lang="ja-JP" altLang="en-US"/>
           </a:p>
@@ -5330,7 +5335,7 @@
           <a:p>
             <a:fld id="{0394A5F2-EE4E-8D43-8095-7BEE3FF37D66}" type="datetimeFigureOut">
               <a:rPr kumimoji="1" lang="ja-JP" altLang="en-US" smtClean="0"/>
-              <a:t>2019/11/24</a:t>
+              <a:t>2019/12/31</a:t>
             </a:fld>
             <a:endParaRPr kumimoji="1" lang="ja-JP" altLang="en-US"/>
           </a:p>
@@ -5443,7 +5448,7 @@
           <a:p>
             <a:fld id="{0394A5F2-EE4E-8D43-8095-7BEE3FF37D66}" type="datetimeFigureOut">
               <a:rPr kumimoji="1" lang="ja-JP" altLang="en-US" smtClean="0"/>
-              <a:t>2019/11/24</a:t>
+              <a:t>2019/12/31</a:t>
             </a:fld>
             <a:endParaRPr kumimoji="1" lang="ja-JP" altLang="en-US"/>
           </a:p>
@@ -5786,7 +5791,7 @@
           <a:p>
             <a:fld id="{0394A5F2-EE4E-8D43-8095-7BEE3FF37D66}" type="datetimeFigureOut">
               <a:rPr kumimoji="1" lang="ja-JP" altLang="en-US" smtClean="0"/>
-              <a:t>2019/11/24</a:t>
+              <a:t>2019/12/31</a:t>
             </a:fld>
             <a:endParaRPr kumimoji="1" lang="ja-JP" altLang="en-US"/>
           </a:p>
@@ -6074,7 +6079,7 @@
           <a:p>
             <a:fld id="{0394A5F2-EE4E-8D43-8095-7BEE3FF37D66}" type="datetimeFigureOut">
               <a:rPr kumimoji="1" lang="ja-JP" altLang="en-US" smtClean="0"/>
-              <a:t>2019/11/24</a:t>
+              <a:t>2019/12/31</a:t>
             </a:fld>
             <a:endParaRPr kumimoji="1" lang="ja-JP" altLang="en-US"/>
           </a:p>
@@ -6347,7 +6352,7 @@
           <a:p>
             <a:fld id="{0394A5F2-EE4E-8D43-8095-7BEE3FF37D66}" type="datetimeFigureOut">
               <a:rPr kumimoji="1" lang="ja-JP" altLang="en-US" smtClean="0"/>
-              <a:t>2019/11/24</a:t>
+              <a:t>2019/12/31</a:t>
             </a:fld>
             <a:endParaRPr kumimoji="1" lang="ja-JP" altLang="en-US"/>
           </a:p>
@@ -8495,7 +8500,7 @@
         </p:spPr>
         <p:txBody>
           <a:bodyPr anchor="ctr">
-            <a:normAutofit/>
+            <a:normAutofit lnSpcReduction="10000"/>
           </a:bodyPr>
           <a:lstStyle/>
           <a:p>
@@ -8672,6 +8677,16 @@
             <a:r>
               <a:rPr lang="ja-JP" altLang="en-US" sz="1400"/>
               <a:t>　・災害時の道路通行止情報</a:t>
+            </a:r>
+            <a:endParaRPr lang="en-US" altLang="ja-JP" sz="1400" dirty="0"/>
+          </a:p>
+          <a:p>
+            <a:pPr marL="0" indent="0">
+              <a:buNone/>
+            </a:pPr>
+            <a:r>
+              <a:rPr lang="ja-JP" altLang="en-US" sz="1400"/>
+              <a:t>被災地（ハザードマップ）の点群データがあれば提供いただければ反映できるようにします。</a:t>
             </a:r>
             <a:br>
               <a:rPr lang="en-US" altLang="ja-JP" sz="1400" dirty="0"/>

--- a/クライシスマッピングとは。現在の状況から次の災害に向けての展開について .pptx
+++ b/クライシスマッピングとは。現在の状況から次の災害に向けての展開について .pptx
@@ -3414,7 +3414,7 @@
           <a:p>
             <a:fld id="{0394A5F2-EE4E-8D43-8095-7BEE3FF37D66}" type="datetimeFigureOut">
               <a:rPr kumimoji="1" lang="ja-JP" altLang="en-US" smtClean="0"/>
-              <a:t>2019/12/31</a:t>
+              <a:t>2020/1/12</a:t>
             </a:fld>
             <a:endParaRPr kumimoji="1" lang="ja-JP" altLang="en-US"/>
           </a:p>
@@ -3644,7 +3644,7 @@
           <a:p>
             <a:fld id="{0394A5F2-EE4E-8D43-8095-7BEE3FF37D66}" type="datetimeFigureOut">
               <a:rPr kumimoji="1" lang="ja-JP" altLang="en-US" smtClean="0"/>
-              <a:t>2019/12/31</a:t>
+              <a:t>2020/1/12</a:t>
             </a:fld>
             <a:endParaRPr kumimoji="1" lang="ja-JP" altLang="en-US"/>
           </a:p>
@@ -3884,7 +3884,7 @@
           <a:p>
             <a:fld id="{0394A5F2-EE4E-8D43-8095-7BEE3FF37D66}" type="datetimeFigureOut">
               <a:rPr kumimoji="1" lang="ja-JP" altLang="en-US" smtClean="0"/>
-              <a:t>2019/12/31</a:t>
+              <a:t>2020/1/12</a:t>
             </a:fld>
             <a:endParaRPr kumimoji="1" lang="ja-JP" altLang="en-US"/>
           </a:p>
@@ -4114,7 +4114,7 @@
           <a:p>
             <a:fld id="{0394A5F2-EE4E-8D43-8095-7BEE3FF37D66}" type="datetimeFigureOut">
               <a:rPr kumimoji="1" lang="ja-JP" altLang="en-US" smtClean="0"/>
-              <a:t>2019/12/31</a:t>
+              <a:t>2020/1/12</a:t>
             </a:fld>
             <a:endParaRPr kumimoji="1" lang="ja-JP" altLang="en-US"/>
           </a:p>
@@ -4389,7 +4389,7 @@
           <a:p>
             <a:fld id="{0394A5F2-EE4E-8D43-8095-7BEE3FF37D66}" type="datetimeFigureOut">
               <a:rPr kumimoji="1" lang="ja-JP" altLang="en-US" smtClean="0"/>
-              <a:t>2019/12/31</a:t>
+              <a:t>2020/1/12</a:t>
             </a:fld>
             <a:endParaRPr kumimoji="1" lang="ja-JP" altLang="en-US"/>
           </a:p>
@@ -4718,7 +4718,7 @@
           <a:p>
             <a:fld id="{0394A5F2-EE4E-8D43-8095-7BEE3FF37D66}" type="datetimeFigureOut">
               <a:rPr kumimoji="1" lang="ja-JP" altLang="en-US" smtClean="0"/>
-              <a:t>2019/12/31</a:t>
+              <a:t>2020/1/12</a:t>
             </a:fld>
             <a:endParaRPr kumimoji="1" lang="ja-JP" altLang="en-US"/>
           </a:p>
@@ -5194,7 +5194,7 @@
           <a:p>
             <a:fld id="{0394A5F2-EE4E-8D43-8095-7BEE3FF37D66}" type="datetimeFigureOut">
               <a:rPr kumimoji="1" lang="ja-JP" altLang="en-US" smtClean="0"/>
-              <a:t>2019/12/31</a:t>
+              <a:t>2020/1/12</a:t>
             </a:fld>
             <a:endParaRPr kumimoji="1" lang="ja-JP" altLang="en-US"/>
           </a:p>
@@ -5335,7 +5335,7 @@
           <a:p>
             <a:fld id="{0394A5F2-EE4E-8D43-8095-7BEE3FF37D66}" type="datetimeFigureOut">
               <a:rPr kumimoji="1" lang="ja-JP" altLang="en-US" smtClean="0"/>
-              <a:t>2019/12/31</a:t>
+              <a:t>2020/1/12</a:t>
             </a:fld>
             <a:endParaRPr kumimoji="1" lang="ja-JP" altLang="en-US"/>
           </a:p>
@@ -5448,7 +5448,7 @@
           <a:p>
             <a:fld id="{0394A5F2-EE4E-8D43-8095-7BEE3FF37D66}" type="datetimeFigureOut">
               <a:rPr kumimoji="1" lang="ja-JP" altLang="en-US" smtClean="0"/>
-              <a:t>2019/12/31</a:t>
+              <a:t>2020/1/12</a:t>
             </a:fld>
             <a:endParaRPr kumimoji="1" lang="ja-JP" altLang="en-US"/>
           </a:p>
@@ -5791,7 +5791,7 @@
           <a:p>
             <a:fld id="{0394A5F2-EE4E-8D43-8095-7BEE3FF37D66}" type="datetimeFigureOut">
               <a:rPr kumimoji="1" lang="ja-JP" altLang="en-US" smtClean="0"/>
-              <a:t>2019/12/31</a:t>
+              <a:t>2020/1/12</a:t>
             </a:fld>
             <a:endParaRPr kumimoji="1" lang="ja-JP" altLang="en-US"/>
           </a:p>
@@ -6079,7 +6079,7 @@
           <a:p>
             <a:fld id="{0394A5F2-EE4E-8D43-8095-7BEE3FF37D66}" type="datetimeFigureOut">
               <a:rPr kumimoji="1" lang="ja-JP" altLang="en-US" smtClean="0"/>
-              <a:t>2019/12/31</a:t>
+              <a:t>2020/1/12</a:t>
             </a:fld>
             <a:endParaRPr kumimoji="1" lang="ja-JP" altLang="en-US"/>
           </a:p>
@@ -6352,7 +6352,7 @@
           <a:p>
             <a:fld id="{0394A5F2-EE4E-8D43-8095-7BEE3FF37D66}" type="datetimeFigureOut">
               <a:rPr kumimoji="1" lang="ja-JP" altLang="en-US" smtClean="0"/>
-              <a:t>2019/12/31</a:t>
+              <a:t>2020/1/12</a:t>
             </a:fld>
             <a:endParaRPr kumimoji="1" lang="ja-JP" altLang="en-US"/>
           </a:p>
@@ -8920,7 +8920,7 @@
         </p:spPr>
         <p:txBody>
           <a:bodyPr anchor="ctr">
-            <a:normAutofit fontScale="85000" lnSpcReduction="10000"/>
+            <a:normAutofit fontScale="85000" lnSpcReduction="20000"/>
           </a:bodyPr>
           <a:lstStyle/>
           <a:p>
@@ -8963,7 +8963,46 @@
             </a:r>
             <a:r>
               <a:rPr kumimoji="1" lang="ja-JP" altLang="en-US" sz="1500"/>
-              <a:t>を使ったオープンなクライシスマップの提供</a:t>
+              <a:t>・</a:t>
+            </a:r>
+            <a:r>
+              <a:rPr kumimoji="1" lang="en-US" altLang="ja-JP" sz="1500" dirty="0"/>
+              <a:t> </a:t>
+            </a:r>
+            <a:r>
+              <a:rPr kumimoji="1" lang="en-US" altLang="ja-JP" sz="1500" dirty="0" err="1"/>
+              <a:t>GoogleMap</a:t>
+            </a:r>
+            <a:r>
+              <a:rPr kumimoji="1" lang="ja-JP" altLang="en-US" sz="1500"/>
+              <a:t>・</a:t>
+            </a:r>
+            <a:r>
+              <a:rPr kumimoji="1" lang="en-US" altLang="ja-JP" sz="1500" dirty="0"/>
+              <a:t>YOLP</a:t>
+            </a:r>
+            <a:r>
+              <a:rPr kumimoji="1" lang="ja-JP" altLang="en-US" sz="1500"/>
+              <a:t>・</a:t>
+            </a:r>
+            <a:r>
+              <a:rPr kumimoji="1" lang="en-US" altLang="ja-JP" sz="1500" dirty="0" err="1"/>
+              <a:t>MapBox</a:t>
+            </a:r>
+            <a:r>
+              <a:rPr kumimoji="1" lang="ja-JP" altLang="en-US" sz="1500"/>
+              <a:t>などを使ったオープンなクライシス</a:t>
+            </a:r>
+            <a:br>
+              <a:rPr lang="en-US" altLang="ja-JP" sz="1500" dirty="0"/>
+            </a:br>
+            <a:r>
+              <a:rPr lang="ja-JP" altLang="en-US" sz="1500"/>
+              <a:t>　</a:t>
+            </a:r>
+            <a:r>
+              <a:rPr kumimoji="1" lang="ja-JP" altLang="en-US" sz="1500"/>
+              <a:t>マップの提供</a:t>
             </a:r>
             <a:br>
               <a:rPr kumimoji="1" lang="en-US" altLang="ja-JP" sz="1500" dirty="0"/>

--- a/クライシスマッピングとは。現在の状況から次の災害に向けての展開について .pptx
+++ b/クライシスマッピングとは。現在の状況から次の災害に向けての展開について .pptx
@@ -6944,7 +6944,7 @@
               <a:t>クライシスマッピングとは。</a:t>
             </a:r>
             <a:br>
-              <a:rPr lang="en-US" altLang="ja-JP" sz="3800">
+              <a:rPr lang="en-US" altLang="ja-JP" sz="3800" dirty="0">
                 <a:solidFill>
                   <a:srgbClr val="FFFFFF"/>
                 </a:solidFill>
@@ -6959,7 +6959,7 @@
               <a:t>現在の状況から次の災害に向けての展開について</a:t>
             </a:r>
             <a:r>
-              <a:rPr lang="en-US" altLang="ja-JP" sz="3800">
+              <a:rPr lang="en-US" altLang="ja-JP" sz="3800" dirty="0">
                 <a:solidFill>
                   <a:srgbClr val="FFFFFF"/>
                 </a:solidFill>
@@ -8914,13 +8914,13 @@
         </p:nvSpPr>
         <p:spPr>
           <a:xfrm>
-            <a:off x="4905634" y="963877"/>
-            <a:ext cx="6964801" cy="4930246"/>
+            <a:off x="4905635" y="963876"/>
+            <a:ext cx="6964800" cy="5574083"/>
           </a:xfrm>
         </p:spPr>
         <p:txBody>
           <a:bodyPr anchor="ctr">
-            <a:normAutofit fontScale="85000" lnSpcReduction="20000"/>
+            <a:normAutofit fontScale="85000" lnSpcReduction="10000"/>
           </a:bodyPr>
           <a:lstStyle/>
           <a:p>
